--- a/slides/06_sensitivity.pptx
+++ b/slides/06_sensitivity.pptx
@@ -2951,15 +2951,20 @@
           </p:nvPr>
         </p:nvPicPr>
         <p:blipFill>
-          <a:blip r:embed="rId2"/>
-          <a:stretch>
-            <a:fillRect/>
-          </a:stretch>
+          <a:blip r:embed="rId2">
+            <a:extLst>
+              <a:ext uri="{28A0092B-C50C-407E-A947-70E740481C1C}">
+                <a14:useLocalDpi xmlns:a14="http://schemas.microsoft.com/office/drawing/2010/main" val="0"/>
+              </a:ext>
+            </a:extLst>
+          </a:blip>
+          <a:srcRect/>
+          <a:stretch/>
         </p:blipFill>
         <p:spPr>
           <a:xfrm>
-            <a:off x="6172200" y="1265262"/>
-            <a:ext cx="5181600" cy="4871989"/>
+            <a:off x="6172200" y="1630476"/>
+            <a:ext cx="5181600" cy="4109286"/>
           </a:xfrm>
         </p:spPr>
       </p:pic>
@@ -3627,6 +3632,50 @@
               <a:rPr lang="en-US" dirty="0"/>
               <a:t>Do these essentially determine the whole result?</a:t>
             </a:r>
+          </a:p>
+          <a:p>
+            <a:pPr lvl="1"/>
+            <a:r>
+              <a:rPr lang="en-US" dirty="0">
+                <a:latin typeface="Fira Code" panose="020B0809050000020004" pitchFamily="49" charset="0"/>
+                <a:ea typeface="Fira Code" panose="020B0809050000020004" pitchFamily="49" charset="0"/>
+                <a:cs typeface="Fira Code" panose="020B0809050000020004" pitchFamily="49" charset="0"/>
+              </a:rPr>
+              <a:t>weights(mod); </a:t>
+            </a:r>
+            <a:r>
+              <a:rPr lang="en-US" dirty="0" err="1">
+                <a:latin typeface="Fira Code" panose="020B0809050000020004" pitchFamily="49" charset="0"/>
+                <a:ea typeface="Fira Code" panose="020B0809050000020004" pitchFamily="49" charset="0"/>
+                <a:cs typeface="Fira Code" panose="020B0809050000020004" pitchFamily="49" charset="0"/>
+              </a:rPr>
+              <a:t>rma</a:t>
+            </a:r>
+            <a:r>
+              <a:rPr lang="en-US" dirty="0">
+                <a:latin typeface="Fira Code" panose="020B0809050000020004" pitchFamily="49" charset="0"/>
+                <a:ea typeface="Fira Code" panose="020B0809050000020004" pitchFamily="49" charset="0"/>
+                <a:cs typeface="Fira Code" panose="020B0809050000020004" pitchFamily="49" charset="0"/>
+              </a:rPr>
+              <a:t>(weights = </a:t>
+            </a:r>
+            <a:r>
+              <a:rPr lang="en-US" dirty="0" err="1">
+                <a:latin typeface="Fira Code" panose="020B0809050000020004" pitchFamily="49" charset="0"/>
+                <a:ea typeface="Fira Code" panose="020B0809050000020004" pitchFamily="49" charset="0"/>
+                <a:cs typeface="Fira Code" panose="020B0809050000020004" pitchFamily="49" charset="0"/>
+              </a:rPr>
+              <a:t>wt</a:t>
+            </a:r>
+            <a:r>
+              <a:rPr lang="en-US" dirty="0">
+                <a:latin typeface="Fira Code" panose="020B0809050000020004" pitchFamily="49" charset="0"/>
+                <a:ea typeface="Fira Code" panose="020B0809050000020004" pitchFamily="49" charset="0"/>
+                <a:cs typeface="Fira Code" panose="020B0809050000020004" pitchFamily="49" charset="0"/>
+              </a:rPr>
+              <a:t>)</a:t>
+            </a:r>
+            <a:endParaRPr lang="en-US" dirty="0"/>
           </a:p>
           <a:p>
             <a:endParaRPr lang="en-US" dirty="0"/>
@@ -5184,6 +5233,21 @@
 </file>
 
 <file path=customXml/item1.xml><?xml version="1.0" encoding="utf-8"?>
+<?mso-contentType ?>
+<FormTemplates xmlns="http://schemas.microsoft.com/sharepoint/v3/contenttype/forms">
+  <Display>DocumentLibraryForm</Display>
+  <Edit>DocumentLibraryForm</Edit>
+  <New>DocumentLibraryForm</New>
+</FormTemplates>
+</file>
+
+<file path=customXml/item2.xml><?xml version="1.0" encoding="utf-8"?>
+<p:properties xmlns:p="http://schemas.microsoft.com/office/2006/metadata/properties" xmlns:xsi="http://www.w3.org/2001/XMLSchema-instance" xmlns:pc="http://schemas.microsoft.com/office/infopath/2007/PartnerControls">
+  <documentManagement/>
+</p:properties>
+</file>
+
+<file path=customXml/item3.xml><?xml version="1.0" encoding="utf-8"?>
 <ct:contentTypeSchema xmlns:ct="http://schemas.microsoft.com/office/2006/metadata/contentType" xmlns:ma="http://schemas.microsoft.com/office/2006/metadata/properties/metaAttributes" ct:_="" ma:_="" ma:contentTypeName="Document" ma:contentTypeID="0x010100C510C8780454A64385BF21049B1850C5" ma:contentTypeVersion="7" ma:contentTypeDescription="Create a new document." ma:contentTypeScope="" ma:versionID="47a68a81adc4e0e7972bb95a1a99f0b4">
   <xsd:schema xmlns:xsd="http://www.w3.org/2001/XMLSchema" xmlns:xs="http://www.w3.org/2001/XMLSchema" xmlns:p="http://schemas.microsoft.com/office/2006/metadata/properties" xmlns:ns2="d0331357-42e6-4e40-bf0a-1c2f9464db1b" targetNamespace="http://schemas.microsoft.com/office/2006/metadata/properties" ma:root="true" ma:fieldsID="01ec8d09ee7b5b75bd0cb813fd513e00" ns2:_="">
     <xsd:import namespace="d0331357-42e6-4e40-bf0a-1c2f9464db1b"/>
@@ -5347,35 +5411,10 @@
 </ct:contentTypeSchema>
 </file>
 
-<file path=customXml/item2.xml><?xml version="1.0" encoding="utf-8"?>
-<p:properties xmlns:p="http://schemas.microsoft.com/office/2006/metadata/properties" xmlns:xsi="http://www.w3.org/2001/XMLSchema-instance" xmlns:pc="http://schemas.microsoft.com/office/infopath/2007/PartnerControls">
-  <documentManagement/>
-</p:properties>
-</file>
-
-<file path=customXml/item3.xml><?xml version="1.0" encoding="utf-8"?>
-<?mso-contentType ?>
-<FormTemplates xmlns="http://schemas.microsoft.com/sharepoint/v3/contenttype/forms">
-  <Display>DocumentLibraryForm</Display>
-  <Edit>DocumentLibraryForm</Edit>
-  <New>DocumentLibraryForm</New>
-</FormTemplates>
-</file>
-
 <file path=customXml/itemProps1.xml><?xml version="1.0" encoding="utf-8"?>
-<ds:datastoreItem xmlns:ds="http://schemas.openxmlformats.org/officeDocument/2006/customXml" ds:itemID="{8E01F417-FF7B-490D-BC83-D2E21BA12BB0}">
+<ds:datastoreItem xmlns:ds="http://schemas.openxmlformats.org/officeDocument/2006/customXml" ds:itemID="{65F011C9-6572-4E3B-BA4C-E687532965A9}">
   <ds:schemaRefs>
-    <ds:schemaRef ds:uri="d0331357-42e6-4e40-bf0a-1c2f9464db1b"/>
-    <ds:schemaRef ds:uri="http://purl.org/dc/elements/1.1/"/>
-    <ds:schemaRef ds:uri="http://purl.org/dc/terms/"/>
-    <ds:schemaRef ds:uri="http://schemas.microsoft.com/internal/obd"/>
-    <ds:schemaRef ds:uri="http://schemas.microsoft.com/office/2006/documentManagement/types"/>
-    <ds:schemaRef ds:uri="http://schemas.microsoft.com/office/2006/metadata/contentType"/>
-    <ds:schemaRef ds:uri="http://schemas.microsoft.com/office/2006/metadata/properties"/>
-    <ds:schemaRef ds:uri="http://schemas.microsoft.com/office/2006/metadata/properties/metaAttributes"/>
-    <ds:schemaRef ds:uri="http://schemas.microsoft.com/office/infopath/2007/PartnerControls"/>
-    <ds:schemaRef ds:uri="http://schemas.openxmlformats.org/package/2006/metadata/core-properties"/>
-    <ds:schemaRef ds:uri="http://www.w3.org/2001/XMLSchema"/>
+    <ds:schemaRef ds:uri="http://schemas.microsoft.com/sharepoint/v3/contenttype/forms"/>
   </ds:schemaRefs>
 </ds:datastoreItem>
 </file>
@@ -5397,9 +5436,19 @@
 </file>
 
 <file path=customXml/itemProps3.xml><?xml version="1.0" encoding="utf-8"?>
-<ds:datastoreItem xmlns:ds="http://schemas.openxmlformats.org/officeDocument/2006/customXml" ds:itemID="{65F011C9-6572-4E3B-BA4C-E687532965A9}">
+<ds:datastoreItem xmlns:ds="http://schemas.openxmlformats.org/officeDocument/2006/customXml" ds:itemID="{8E01F417-FF7B-490D-BC83-D2E21BA12BB0}">
   <ds:schemaRefs>
-    <ds:schemaRef ds:uri="http://schemas.microsoft.com/sharepoint/v3/contenttype/forms"/>
+    <ds:schemaRef ds:uri="d0331357-42e6-4e40-bf0a-1c2f9464db1b"/>
+    <ds:schemaRef ds:uri="http://purl.org/dc/elements/1.1/"/>
+    <ds:schemaRef ds:uri="http://purl.org/dc/terms/"/>
+    <ds:schemaRef ds:uri="http://schemas.microsoft.com/internal/obd"/>
+    <ds:schemaRef ds:uri="http://schemas.microsoft.com/office/2006/documentManagement/types"/>
+    <ds:schemaRef ds:uri="http://schemas.microsoft.com/office/2006/metadata/contentType"/>
+    <ds:schemaRef ds:uri="http://schemas.microsoft.com/office/2006/metadata/properties"/>
+    <ds:schemaRef ds:uri="http://schemas.microsoft.com/office/2006/metadata/properties/metaAttributes"/>
+    <ds:schemaRef ds:uri="http://schemas.microsoft.com/office/infopath/2007/PartnerControls"/>
+    <ds:schemaRef ds:uri="http://schemas.openxmlformats.org/package/2006/metadata/core-properties"/>
+    <ds:schemaRef ds:uri="http://www.w3.org/2001/XMLSchema"/>
   </ds:schemaRefs>
 </ds:datastoreItem>
 </file>
--- a/slides/06_sensitivity.pptx
+++ b/slides/06_sensitivity.pptx
@@ -207,7 +207,7 @@
           <a:p>
             <a:fld id="{A5B9E9DD-BE87-46D0-98E6-18D835742F3D}" type="datetimeFigureOut">
               <a:rPr lang="en-US" smtClean="0"/>
-              <a:t>3/9/2022</a:t>
+              <a:t>3/8/23</a:t>
             </a:fld>
             <a:endParaRPr lang="en-US"/>
           </a:p>
@@ -2900,7 +2900,7 @@
         </p:spPr>
         <p:txBody>
           <a:bodyPr>
-            <a:normAutofit fontScale="92500" lnSpcReduction="10000"/>
+            <a:normAutofit fontScale="92500"/>
           </a:bodyPr>
           <a:lstStyle/>
           <a:p>
@@ -2915,7 +2915,7 @@
           <a:p>
             <a:r>
               <a:rPr lang="en-US" dirty="0"/>
-              <a:t>A clear nonlinear trend would suggest uneven heterogeneity of residual variance</a:t>
+              <a:t>A clear trend would suggest uneven heterogeneity of residual variance</a:t>
             </a:r>
           </a:p>
           <a:p>
@@ -3059,7 +3059,7 @@
         </p:spPr>
         <p:txBody>
           <a:bodyPr>
-            <a:normAutofit/>
+            <a:normAutofit lnSpcReduction="10000"/>
           </a:bodyPr>
           <a:lstStyle/>
           <a:p>
@@ -3074,7 +3074,7 @@
           <a:p>
             <a:r>
               <a:rPr lang="en-US" dirty="0"/>
-              <a:t>A clear nonlinear trend would suggest uneven heterogeneity of true outcome variance</a:t>
+              <a:t>A clear trend would suggest uneven heterogeneity of true outcome variance</a:t>
             </a:r>
           </a:p>
           <a:p>
@@ -3082,6 +3082,13 @@
             <a:r>
               <a:rPr lang="en-US" dirty="0"/>
               <a:t>Usually means a missing moderator</a:t>
+            </a:r>
+          </a:p>
+          <a:p>
+            <a:pPr lvl="1"/>
+            <a:r>
+              <a:rPr lang="en-US" dirty="0"/>
+              <a:t>Consider adding a scale/variance model</a:t>
             </a:r>
           </a:p>
         </p:txBody>
@@ -3203,7 +3210,7 @@
           <a:p>
             <a:r>
               <a:rPr lang="en-US" dirty="0"/>
-              <a:t>No outliers: Results are not overly influenced by 1 or 2 studies</a:t>
+              <a:t>No outliers : Results are not overly influenced by 1 or 2 studies</a:t>
             </a:r>
           </a:p>
           <a:p>
@@ -4622,7 +4629,7 @@
           <a:p>
             <a:r>
               <a:rPr lang="en-US" dirty="0"/>
-              <a:t>A clear nonlinear trend would suggest nonlinearity in the predictor–outcome relationship or a missing moderator</a:t>
+              <a:t>A clear trend would suggest nonlinearity in the predictor–outcome relationship or a missing moderator</a:t>
             </a:r>
           </a:p>
           <a:p>
@@ -5233,18 +5240,18 @@
 </file>
 
 <file path=customXml/item1.xml><?xml version="1.0" encoding="utf-8"?>
+<p:properties xmlns:p="http://schemas.microsoft.com/office/2006/metadata/properties" xmlns:xsi="http://www.w3.org/2001/XMLSchema-instance" xmlns:pc="http://schemas.microsoft.com/office/infopath/2007/PartnerControls">
+  <documentManagement/>
+</p:properties>
+</file>
+
+<file path=customXml/item2.xml><?xml version="1.0" encoding="utf-8"?>
 <?mso-contentType ?>
 <FormTemplates xmlns="http://schemas.microsoft.com/sharepoint/v3/contenttype/forms">
   <Display>DocumentLibraryForm</Display>
   <Edit>DocumentLibraryForm</Edit>
   <New>DocumentLibraryForm</New>
 </FormTemplates>
-</file>
-
-<file path=customXml/item2.xml><?xml version="1.0" encoding="utf-8"?>
-<p:properties xmlns:p="http://schemas.microsoft.com/office/2006/metadata/properties" xmlns:xsi="http://www.w3.org/2001/XMLSchema-instance" xmlns:pc="http://schemas.microsoft.com/office/infopath/2007/PartnerControls">
-  <documentManagement/>
-</p:properties>
 </file>
 
 <file path=customXml/item3.xml><?xml version="1.0" encoding="utf-8"?>
@@ -5412,14 +5419,6 @@
 </file>
 
 <file path=customXml/itemProps1.xml><?xml version="1.0" encoding="utf-8"?>
-<ds:datastoreItem xmlns:ds="http://schemas.openxmlformats.org/officeDocument/2006/customXml" ds:itemID="{65F011C9-6572-4E3B-BA4C-E687532965A9}">
-  <ds:schemaRefs>
-    <ds:schemaRef ds:uri="http://schemas.microsoft.com/sharepoint/v3/contenttype/forms"/>
-  </ds:schemaRefs>
-</ds:datastoreItem>
-</file>
-
-<file path=customXml/itemProps2.xml><?xml version="1.0" encoding="utf-8"?>
 <ds:datastoreItem xmlns:ds="http://schemas.openxmlformats.org/officeDocument/2006/customXml" ds:itemID="{11197415-BC9D-4352-8615-FFE6194E5163}">
   <ds:schemaRefs>
     <ds:schemaRef ds:uri="http://schemas.microsoft.com/office/2006/documentManagement/types"/>
@@ -5431,6 +5430,14 @@
     <ds:schemaRef ds:uri="http://purl.org/dc/dcmitype/"/>
     <ds:schemaRef ds:uri="http://schemas.microsoft.com/office/infopath/2007/PartnerControls"/>
     <ds:schemaRef ds:uri="http://schemas.openxmlformats.org/package/2006/metadata/core-properties"/>
+  </ds:schemaRefs>
+</ds:datastoreItem>
+</file>
+
+<file path=customXml/itemProps2.xml><?xml version="1.0" encoding="utf-8"?>
+<ds:datastoreItem xmlns:ds="http://schemas.openxmlformats.org/officeDocument/2006/customXml" ds:itemID="{65F011C9-6572-4E3B-BA4C-E687532965A9}">
+  <ds:schemaRefs>
+    <ds:schemaRef ds:uri="http://schemas.microsoft.com/sharepoint/v3/contenttype/forms"/>
   </ds:schemaRefs>
 </ds:datastoreItem>
 </file>
